--- a/assignments/Presentation4/SignificanceTestSlides.pptx
+++ b/assignments/Presentation4/SignificanceTestSlides.pptx
@@ -24,8 +24,8 @@
     <p:sldId id="276" r:id="rId15"/>
     <p:sldId id="279" r:id="rId16"/>
     <p:sldId id="274" r:id="rId17"/>
-    <p:sldId id="275" r:id="rId18"/>
-    <p:sldId id="277" r:id="rId19"/>
+    <p:sldId id="277" r:id="rId18"/>
+    <p:sldId id="275" r:id="rId19"/>
     <p:sldId id="278" r:id="rId20"/>
     <p:sldId id="273" r:id="rId21"/>
     <p:sldId id="280" r:id="rId22"/>
@@ -3557,7 +3557,7 @@
         </p:spPr>
         <p:txBody>
           <a:bodyPr>
-            <a:normAutofit fontScale="85000" lnSpcReduction="20000"/>
+            <a:normAutofit fontScale="85000" lnSpcReduction="10000"/>
           </a:bodyPr>
           <a:lstStyle/>
           <a:p>
@@ -3566,7 +3566,7 @@
             </a:pPr>
             <a:r>
               <a:rPr lang="en-US" sz="5800" dirty="0"/>
-              <a:t>A comparison of statistical significance tests for information retrieval evaluation.</a:t>
+              <a:t>A Comparison of Statistical Significance Tests for Information Retrieval Evaluation</a:t>
             </a:r>
           </a:p>
           <a:p>
@@ -3896,7 +3896,7 @@
 </file>
 
 <file path=ppt/slides/slide11.xml><?xml version="1.0" encoding="utf-8"?>
-<p:sld xmlns:a="http://schemas.openxmlformats.org/drawingml/2006/main" xmlns:r="http://schemas.openxmlformats.org/officeDocument/2006/relationships" xmlns:p="http://schemas.openxmlformats.org/presentationml/2006/main">
+<p:sld xmlns:a="http://schemas.openxmlformats.org/drawingml/2006/main" xmlns:r="http://schemas.openxmlformats.org/officeDocument/2006/relationships" xmlns:p="http://schemas.openxmlformats.org/presentationml/2006/main" show="0">
   <p:cSld>
     <p:spTree>
       <p:nvGrpSpPr>
@@ -3965,7 +3965,7 @@
           <a:p>
             <a:r>
               <a:rPr lang="en-US" sz="3200" dirty="0"/>
-              <a:t>Similar effort to use</a:t>
+              <a:t>Similar effort to create</a:t>
             </a:r>
           </a:p>
           <a:p>
@@ -4242,8 +4242,8 @@
         </p:nvSpPr>
         <p:spPr>
           <a:xfrm>
-            <a:off x="838200" y="2848309"/>
-            <a:ext cx="10515600" cy="4351338"/>
+            <a:off x="838200" y="2200940"/>
+            <a:ext cx="10515600" cy="4998707"/>
           </a:xfrm>
         </p:spPr>
         <p:txBody>
@@ -4252,7 +4252,42 @@
           <a:p>
             <a:r>
               <a:rPr lang="en-US" dirty="0"/>
-              <a:t>A comparison of the t-test, Wilcoxon, sign test, randomization, and bootstrap test</a:t>
+              <a:t>A comparison of the </a:t>
+            </a:r>
+          </a:p>
+          <a:p>
+            <a:pPr lvl="1"/>
+            <a:r>
+              <a:rPr lang="en-US" dirty="0"/>
+              <a:t>T-test</a:t>
+            </a:r>
+          </a:p>
+          <a:p>
+            <a:pPr lvl="1"/>
+            <a:r>
+              <a:rPr lang="en-US" dirty="0"/>
+              <a:t>Wilcoxon</a:t>
+            </a:r>
+          </a:p>
+          <a:p>
+            <a:pPr lvl="1"/>
+            <a:r>
+              <a:rPr lang="en-US" dirty="0"/>
+              <a:t>Sign</a:t>
+            </a:r>
+          </a:p>
+          <a:p>
+            <a:pPr lvl="1"/>
+            <a:r>
+              <a:rPr lang="en-US" dirty="0"/>
+              <a:t>Randomization</a:t>
+            </a:r>
+          </a:p>
+          <a:p>
+            <a:pPr lvl="1"/>
+            <a:r>
+              <a:rPr lang="en-US" dirty="0"/>
+              <a:t>Bootstrap</a:t>
             </a:r>
           </a:p>
           <a:p>
@@ -4366,7 +4401,7 @@
         <p:spPr/>
         <p:txBody>
           <a:bodyPr>
-            <a:normAutofit lnSpcReduction="10000"/>
+            <a:normAutofit/>
           </a:bodyPr>
           <a:lstStyle/>
           <a:p>
@@ -4413,12 +4448,6 @@
             <a:r>
               <a:rPr lang="en-US" dirty="0"/>
               <a:t>P 0.01 ± 0.00045</a:t>
-            </a:r>
-          </a:p>
-          <a:p>
-            <a:r>
-              <a:rPr lang="en-US" dirty="0"/>
-              <a:t>P value = Number of times MAP is &gt; measured difference / # permutations</a:t>
             </a:r>
           </a:p>
           <a:p>
@@ -4794,7 +4823,7 @@
           <p:cNvPr id="2" name="Title 1">
             <a:extLst>
               <a:ext uri="{FF2B5EF4-FFF2-40B4-BE49-F238E27FC236}">
-                <a16:creationId xmlns:a16="http://schemas.microsoft.com/office/drawing/2014/main" id="{0CF04754-B976-44CD-BD8C-573186D8CEE1}"/>
+                <a16:creationId xmlns:a16="http://schemas.microsoft.com/office/drawing/2014/main" id="{4BA238CC-93DA-437C-83CA-F92C3DB69A5A}"/>
               </a:ext>
             </a:extLst>
           </p:cNvPr>
@@ -4812,7 +4841,7 @@
           <a:p>
             <a:r>
               <a:rPr lang="en-US" dirty="0"/>
-              <a:t>Randomization has more outliers</a:t>
+              <a:t>Wilcoxon and Sign test not good approximations of Randomization</a:t>
             </a:r>
           </a:p>
         </p:txBody>
@@ -4822,7 +4851,7 @@
           <p:cNvPr id="5" name="Content Placeholder 4">
             <a:extLst>
               <a:ext uri="{FF2B5EF4-FFF2-40B4-BE49-F238E27FC236}">
-                <a16:creationId xmlns:a16="http://schemas.microsoft.com/office/drawing/2014/main" id="{B34B03F4-8E9B-46DE-93EB-24A240DFB0E7}"/>
+                <a16:creationId xmlns:a16="http://schemas.microsoft.com/office/drawing/2014/main" id="{AC7CF629-BD47-4D49-AA2D-A6BB5F32D55A}"/>
               </a:ext>
             </a:extLst>
           </p:cNvPr>
@@ -4841,8 +4870,8 @@
         </p:blipFill>
         <p:spPr>
           <a:xfrm>
-            <a:off x="3396626" y="1618344"/>
-            <a:ext cx="5061574" cy="5103131"/>
+            <a:off x="838200" y="1907011"/>
+            <a:ext cx="10515600" cy="4188566"/>
           </a:xfrm>
           <a:prstGeom prst="rect">
             <a:avLst/>
@@ -4854,7 +4883,7 @@
           <p:cNvPr id="4" name="Slide Number Placeholder 3">
             <a:extLst>
               <a:ext uri="{FF2B5EF4-FFF2-40B4-BE49-F238E27FC236}">
-                <a16:creationId xmlns:a16="http://schemas.microsoft.com/office/drawing/2014/main" id="{9D8B512E-5371-4BD7-8268-E9F21BFA9494}"/>
+                <a16:creationId xmlns:a16="http://schemas.microsoft.com/office/drawing/2014/main" id="{FD255F84-805B-4D72-83A5-F49DC5E77615}"/>
               </a:ext>
             </a:extLst>
           </p:cNvPr>
@@ -4881,7 +4910,7 @@
     </p:spTree>
     <p:extLst>
       <p:ext uri="{BB962C8B-B14F-4D97-AF65-F5344CB8AC3E}">
-        <p14:creationId xmlns:p14="http://schemas.microsoft.com/office/powerpoint/2010/main" val="1433540731"/>
+        <p14:creationId xmlns:p14="http://schemas.microsoft.com/office/powerpoint/2010/main" val="2568247996"/>
       </p:ext>
     </p:extLst>
   </p:cSld>
@@ -4913,7 +4942,7 @@
           <p:cNvPr id="2" name="Title 1">
             <a:extLst>
               <a:ext uri="{FF2B5EF4-FFF2-40B4-BE49-F238E27FC236}">
-                <a16:creationId xmlns:a16="http://schemas.microsoft.com/office/drawing/2014/main" id="{4BA238CC-93DA-437C-83CA-F92C3DB69A5A}"/>
+                <a16:creationId xmlns:a16="http://schemas.microsoft.com/office/drawing/2014/main" id="{0CF04754-B976-44CD-BD8C-573186D8CEE1}"/>
               </a:ext>
             </a:extLst>
           </p:cNvPr>
@@ -4931,7 +4960,7 @@
           <a:p>
             <a:r>
               <a:rPr lang="en-US" dirty="0"/>
-              <a:t>Wilcoxon and Sign test not good approximations of Randomization</a:t>
+              <a:t>Randomization has more outliers</a:t>
             </a:r>
           </a:p>
         </p:txBody>
@@ -4941,7 +4970,7 @@
           <p:cNvPr id="5" name="Content Placeholder 4">
             <a:extLst>
               <a:ext uri="{FF2B5EF4-FFF2-40B4-BE49-F238E27FC236}">
-                <a16:creationId xmlns:a16="http://schemas.microsoft.com/office/drawing/2014/main" id="{AC7CF629-BD47-4D49-AA2D-A6BB5F32D55A}"/>
+                <a16:creationId xmlns:a16="http://schemas.microsoft.com/office/drawing/2014/main" id="{B34B03F4-8E9B-46DE-93EB-24A240DFB0E7}"/>
               </a:ext>
             </a:extLst>
           </p:cNvPr>
@@ -4960,8 +4989,8 @@
         </p:blipFill>
         <p:spPr>
           <a:xfrm>
-            <a:off x="838200" y="1907011"/>
-            <a:ext cx="10515600" cy="4188566"/>
+            <a:off x="3396626" y="1618344"/>
+            <a:ext cx="5061574" cy="5103131"/>
           </a:xfrm>
           <a:prstGeom prst="rect">
             <a:avLst/>
@@ -4973,7 +5002,7 @@
           <p:cNvPr id="4" name="Slide Number Placeholder 3">
             <a:extLst>
               <a:ext uri="{FF2B5EF4-FFF2-40B4-BE49-F238E27FC236}">
-                <a16:creationId xmlns:a16="http://schemas.microsoft.com/office/drawing/2014/main" id="{FD255F84-805B-4D72-83A5-F49DC5E77615}"/>
+                <a16:creationId xmlns:a16="http://schemas.microsoft.com/office/drawing/2014/main" id="{9D8B512E-5371-4BD7-8268-E9F21BFA9494}"/>
               </a:ext>
             </a:extLst>
           </p:cNvPr>
@@ -5000,7 +5029,7 @@
     </p:spTree>
     <p:extLst>
       <p:ext uri="{BB962C8B-B14F-4D97-AF65-F5344CB8AC3E}">
-        <p14:creationId xmlns:p14="http://schemas.microsoft.com/office/powerpoint/2010/main" val="2568247996"/>
+        <p14:creationId xmlns:p14="http://schemas.microsoft.com/office/powerpoint/2010/main" val="1433540731"/>
       </p:ext>
     </p:extLst>
   </p:cSld>
@@ -5490,7 +5519,7 @@
           <a:p>
             <a:r>
               <a:rPr lang="en-US" sz="3200" dirty="0"/>
-              <a:t>A comparison of the t-test Wilcoxon and sign tests</a:t>
+              <a:t>A comparison of the t-test, Wilcoxon, and sign tests</a:t>
             </a:r>
           </a:p>
           <a:p>
@@ -5720,6 +5749,44 @@
       </p:sp>
       <p:sp>
         <p:nvSpPr>
+          <p:cNvPr id="6" name="Text Placeholder 5">
+            <a:extLst>
+              <a:ext uri="{FF2B5EF4-FFF2-40B4-BE49-F238E27FC236}">
+                <a16:creationId xmlns:a16="http://schemas.microsoft.com/office/drawing/2014/main" id="{BC8DD414-E7CD-4DAB-9C73-ADA3A684AE67}"/>
+              </a:ext>
+            </a:extLst>
+          </p:cNvPr>
+          <p:cNvSpPr>
+            <a:spLocks noGrp="1"/>
+          </p:cNvSpPr>
+          <p:nvPr>
+            <p:ph type="body" idx="1"/>
+          </p:nvPr>
+        </p:nvSpPr>
+        <p:spPr/>
+        <p:txBody>
+          <a:bodyPr>
+            <a:normAutofit fontScale="92500"/>
+          </a:bodyPr>
+          <a:lstStyle/>
+          <a:p>
+            <a:pPr algn="ctr"/>
+            <a:r>
+              <a:rPr lang="en-US" dirty="0"/>
+              <a:t>Information Retrieval System Evaluation:</a:t>
+            </a:r>
+          </a:p>
+          <a:p>
+            <a:pPr algn="ctr"/>
+            <a:r>
+              <a:rPr lang="en-US" dirty="0"/>
+              <a:t>Effort, Sensitivity, and Reliability</a:t>
+            </a:r>
+          </a:p>
+        </p:txBody>
+      </p:sp>
+      <p:sp>
+        <p:nvSpPr>
           <p:cNvPr id="3" name="Content Placeholder 2">
             <a:extLst>
               <a:ext uri="{FF2B5EF4-FFF2-40B4-BE49-F238E27FC236}">
@@ -5731,7 +5798,7 @@
             <a:spLocks noGrp="1"/>
           </p:cNvSpPr>
           <p:nvPr>
-            <p:ph sz="half" idx="1"/>
+            <p:ph sz="half" idx="2"/>
           </p:nvPr>
         </p:nvSpPr>
         <p:spPr/>
@@ -5756,6 +5823,36 @@
             <a:r>
               <a:rPr lang="en-US" dirty="0"/>
               <a:t>Compared MAP and P@10</a:t>
+            </a:r>
+          </a:p>
+        </p:txBody>
+      </p:sp>
+      <p:sp>
+        <p:nvSpPr>
+          <p:cNvPr id="7" name="Text Placeholder 6">
+            <a:extLst>
+              <a:ext uri="{FF2B5EF4-FFF2-40B4-BE49-F238E27FC236}">
+                <a16:creationId xmlns:a16="http://schemas.microsoft.com/office/drawing/2014/main" id="{5371F7A0-C794-4865-9DF4-6CFB3B7B8F2E}"/>
+              </a:ext>
+            </a:extLst>
+          </p:cNvPr>
+          <p:cNvSpPr>
+            <a:spLocks noGrp="1"/>
+          </p:cNvSpPr>
+          <p:nvPr>
+            <p:ph type="body" sz="quarter" idx="3"/>
+          </p:nvPr>
+        </p:nvSpPr>
+        <p:spPr/>
+        <p:txBody>
+          <a:bodyPr>
+            <a:normAutofit fontScale="92500"/>
+          </a:bodyPr>
+          <a:lstStyle/>
+          <a:p>
+            <a:r>
+              <a:rPr lang="en-US" dirty="0"/>
+              <a:t>A Comparison of Statistical Significance Tests for Information Retrieval Evaluation</a:t>
             </a:r>
           </a:p>
         </p:txBody>
@@ -5773,7 +5870,7 @@
             <a:spLocks noGrp="1"/>
           </p:cNvSpPr>
           <p:nvPr>
-            <p:ph sz="half" idx="2"/>
+            <p:ph sz="quarter" idx="4"/>
           </p:nvPr>
         </p:nvSpPr>
         <p:spPr/>
@@ -6045,7 +6142,12 @@
             <p:ph idx="1"/>
           </p:nvPr>
         </p:nvSpPr>
-        <p:spPr/>
+        <p:spPr>
+          <a:xfrm>
+            <a:off x="838200" y="1825625"/>
+            <a:ext cx="10515600" cy="3505132"/>
+          </a:xfrm>
+        </p:spPr>
         <p:txBody>
           <a:bodyPr/>
           <a:lstStyle/>
@@ -6058,7 +6160,7 @@
           <a:p>
             <a:r>
               <a:rPr lang="en-US" dirty="0"/>
-              <a:t>Impact of significance tests on error rates? Would you need a smaller percentage to be confident?</a:t>
+              <a:t>Impact of significance tests on error rates? </a:t>
             </a:r>
           </a:p>
           <a:p>
@@ -6095,6 +6197,79 @@
               <a:t>4</a:t>
             </a:fld>
             <a:endParaRPr lang="en-US"/>
+          </a:p>
+        </p:txBody>
+      </p:sp>
+      <p:sp>
+        <p:nvSpPr>
+          <p:cNvPr id="5" name="TextBox 4">
+            <a:extLst>
+              <a:ext uri="{FF2B5EF4-FFF2-40B4-BE49-F238E27FC236}">
+                <a16:creationId xmlns:a16="http://schemas.microsoft.com/office/drawing/2014/main" id="{F150F092-BEFA-4058-9186-8C54EF170022}"/>
+              </a:ext>
+            </a:extLst>
+          </p:cNvPr>
+          <p:cNvSpPr txBox="1"/>
+          <p:nvPr/>
+        </p:nvSpPr>
+        <p:spPr>
+          <a:xfrm>
+            <a:off x="838200" y="5544766"/>
+            <a:ext cx="10515600" cy="1200329"/>
+          </a:xfrm>
+          <a:prstGeom prst="rect">
+            <a:avLst/>
+          </a:prstGeom>
+          <a:noFill/>
+        </p:spPr>
+        <p:txBody>
+          <a:bodyPr wrap="square" rtlCol="0">
+            <a:spAutoFit/>
+          </a:bodyPr>
+          <a:lstStyle/>
+          <a:p>
+            <a:r>
+              <a:rPr lang="en-US" dirty="0"/>
+              <a:t>Voorhees, E.M., Buckley, C. (2002) The effect of topic set size on retrieval experiment error, in </a:t>
+            </a:r>
+            <a:r>
+              <a:rPr lang="en-US" i="1" dirty="0"/>
+              <a:t>Proc. ACM SIGIR</a:t>
+            </a:r>
+            <a:r>
+              <a:rPr lang="en-US" dirty="0"/>
+              <a:t>, 316-323.</a:t>
+            </a:r>
+          </a:p>
+          <a:p>
+            <a:r>
+              <a:rPr lang="en-US" dirty="0"/>
+              <a:t>Tague-Sutcliffe, J., </a:t>
+            </a:r>
+            <a:r>
+              <a:rPr lang="en-US" dirty="0" err="1"/>
+              <a:t>Blustein</a:t>
+            </a:r>
+            <a:r>
+              <a:rPr lang="en-US" dirty="0"/>
+              <a:t> (1994) A Statistical Analysis of the </a:t>
+            </a:r>
+            <a:r>
+              <a:rPr lang="it-IT" dirty="0"/>
+              <a:t>TREC-3 Data, in </a:t>
+            </a:r>
+            <a:r>
+              <a:rPr lang="it-IT" i="1" dirty="0"/>
+              <a:t>Proc. TREC-3</a:t>
+            </a:r>
+            <a:r>
+              <a:rPr lang="it-IT" dirty="0"/>
+              <a:t>, 385-398.</a:t>
+            </a:r>
+            <a:endParaRPr lang="en-US" dirty="0"/>
+          </a:p>
+          <a:p>
+            <a:endParaRPr lang="en-US" dirty="0"/>
           </a:p>
         </p:txBody>
       </p:sp>
@@ -6156,7 +6331,7 @@
           <a:p>
             <a:r>
               <a:rPr lang="en-US" dirty="0"/>
-              <a:t>Relative difference in MAP must be 25%</a:t>
+              <a:t>Relative difference in MAP must be &gt;25%</a:t>
             </a:r>
             <a:br>
               <a:rPr lang="en-US" dirty="0"/>
@@ -6308,13 +6483,13 @@
         <p:spPr/>
         <p:txBody>
           <a:bodyPr>
-            <a:normAutofit fontScale="90000"/>
+            <a:normAutofit/>
           </a:bodyPr>
           <a:lstStyle/>
           <a:p>
             <a:r>
               <a:rPr lang="en-US" dirty="0"/>
-              <a:t>Relative difference in MAP must be less than 10%</a:t>
+              <a:t>Relative difference in MAP must be &gt; 7-8%</a:t>
             </a:r>
             <a:br>
               <a:rPr lang="en-US" dirty="0"/>
@@ -6739,7 +6914,12 @@
             <p:ph type="title"/>
           </p:nvPr>
         </p:nvSpPr>
-        <p:spPr/>
+        <p:spPr>
+          <a:xfrm>
+            <a:off x="839788" y="457200"/>
+            <a:ext cx="3932237" cy="1148316"/>
+          </a:xfrm>
+        </p:spPr>
         <p:txBody>
           <a:bodyPr/>
           <a:lstStyle/>
